--- a/documentation/Java training 02 - Git - Theory.pptx
+++ b/documentation/Java training 02 - Git - Theory.pptx
@@ -264,7 +264,7 @@
           <a:p>
             <a:fld id="{C6E8B002-83F0-41C5-A7B7-2819A96BD9B2}" type="datetimeFigureOut">
               <a:rPr lang="hu-HU" smtClean="0"/>
-              <a:t>2015.10.01.</a:t>
+              <a:t>2015.10.02.</a:t>
             </a:fld>
             <a:endParaRPr lang="hu-HU"/>
           </a:p>
@@ -434,7 +434,7 @@
           <a:p>
             <a:fld id="{C6E8B002-83F0-41C5-A7B7-2819A96BD9B2}" type="datetimeFigureOut">
               <a:rPr lang="hu-HU" smtClean="0"/>
-              <a:t>2015.10.01.</a:t>
+              <a:t>2015.10.02.</a:t>
             </a:fld>
             <a:endParaRPr lang="hu-HU"/>
           </a:p>
@@ -614,7 +614,7 @@
           <a:p>
             <a:fld id="{C6E8B002-83F0-41C5-A7B7-2819A96BD9B2}" type="datetimeFigureOut">
               <a:rPr lang="hu-HU" smtClean="0"/>
-              <a:t>2015.10.01.</a:t>
+              <a:t>2015.10.02.</a:t>
             </a:fld>
             <a:endParaRPr lang="hu-HU"/>
           </a:p>
@@ -784,7 +784,7 @@
           <a:p>
             <a:fld id="{C6E8B002-83F0-41C5-A7B7-2819A96BD9B2}" type="datetimeFigureOut">
               <a:rPr lang="hu-HU" smtClean="0"/>
-              <a:t>2015.10.01.</a:t>
+              <a:t>2015.10.02.</a:t>
             </a:fld>
             <a:endParaRPr lang="hu-HU"/>
           </a:p>
@@ -1028,7 +1028,7 @@
           <a:p>
             <a:fld id="{C6E8B002-83F0-41C5-A7B7-2819A96BD9B2}" type="datetimeFigureOut">
               <a:rPr lang="hu-HU" smtClean="0"/>
-              <a:t>2015.10.01.</a:t>
+              <a:t>2015.10.02.</a:t>
             </a:fld>
             <a:endParaRPr lang="hu-HU"/>
           </a:p>
@@ -1260,7 +1260,7 @@
           <a:p>
             <a:fld id="{C6E8B002-83F0-41C5-A7B7-2819A96BD9B2}" type="datetimeFigureOut">
               <a:rPr lang="hu-HU" smtClean="0"/>
-              <a:t>2015.10.01.</a:t>
+              <a:t>2015.10.02.</a:t>
             </a:fld>
             <a:endParaRPr lang="hu-HU"/>
           </a:p>
@@ -1627,7 +1627,7 @@
           <a:p>
             <a:fld id="{C6E8B002-83F0-41C5-A7B7-2819A96BD9B2}" type="datetimeFigureOut">
               <a:rPr lang="hu-HU" smtClean="0"/>
-              <a:t>2015.10.01.</a:t>
+              <a:t>2015.10.02.</a:t>
             </a:fld>
             <a:endParaRPr lang="hu-HU"/>
           </a:p>
@@ -1745,7 +1745,7 @@
           <a:p>
             <a:fld id="{C6E8B002-83F0-41C5-A7B7-2819A96BD9B2}" type="datetimeFigureOut">
               <a:rPr lang="hu-HU" smtClean="0"/>
-              <a:t>2015.10.01.</a:t>
+              <a:t>2015.10.02.</a:t>
             </a:fld>
             <a:endParaRPr lang="hu-HU"/>
           </a:p>
@@ -1840,7 +1840,7 @@
           <a:p>
             <a:fld id="{C6E8B002-83F0-41C5-A7B7-2819A96BD9B2}" type="datetimeFigureOut">
               <a:rPr lang="hu-HU" smtClean="0"/>
-              <a:t>2015.10.01.</a:t>
+              <a:t>2015.10.02.</a:t>
             </a:fld>
             <a:endParaRPr lang="hu-HU"/>
           </a:p>
@@ -2117,7 +2117,7 @@
           <a:p>
             <a:fld id="{C6E8B002-83F0-41C5-A7B7-2819A96BD9B2}" type="datetimeFigureOut">
               <a:rPr lang="hu-HU" smtClean="0"/>
-              <a:t>2015.10.01.</a:t>
+              <a:t>2015.10.02.</a:t>
             </a:fld>
             <a:endParaRPr lang="hu-HU"/>
           </a:p>
@@ -2374,7 +2374,7 @@
           <a:p>
             <a:fld id="{C6E8B002-83F0-41C5-A7B7-2819A96BD9B2}" type="datetimeFigureOut">
               <a:rPr lang="hu-HU" smtClean="0"/>
-              <a:t>2015.10.01.</a:t>
+              <a:t>2015.10.02.</a:t>
             </a:fld>
             <a:endParaRPr lang="hu-HU"/>
           </a:p>
@@ -2594,7 +2594,7 @@
           <a:p>
             <a:fld id="{C6E8B002-83F0-41C5-A7B7-2819A96BD9B2}" type="datetimeFigureOut">
               <a:rPr lang="hu-HU" smtClean="0"/>
-              <a:t>2015.10.01.</a:t>
+              <a:t>2015.10.02.</a:t>
             </a:fld>
             <a:endParaRPr lang="hu-HU"/>
           </a:p>
@@ -3038,11 +3038,7 @@
             </a:pPr>
             <a:r>
               <a:rPr lang="hu-HU" dirty="0" smtClean="0"/>
-              <a:t>Java EE </a:t>
-            </a:r>
-            <a:r>
-              <a:rPr lang="hu-HU" dirty="0" smtClean="0"/>
-              <a:t>- </a:t>
+              <a:t>Java EE - </a:t>
             </a:r>
             <a:r>
               <a:rPr lang="hu-HU" dirty="0" err="1" smtClean="0"/>
@@ -3113,11 +3109,7 @@
           <a:p>
             <a:r>
               <a:rPr lang="hu-HU" sz="1800" dirty="0" smtClean="0"/>
-              <a:t>Java </a:t>
-            </a:r>
-            <a:r>
-              <a:rPr lang="hu-HU" sz="1800" dirty="0" smtClean="0"/>
-              <a:t>EE</a:t>
+              <a:t>Java EE</a:t>
             </a:r>
             <a:br>
               <a:rPr lang="hu-HU" sz="1800" dirty="0" smtClean="0"/>
@@ -3562,11 +3554,7 @@
           <a:p>
             <a:r>
               <a:rPr lang="hu-HU" sz="1800" dirty="0" smtClean="0"/>
-              <a:t>Java </a:t>
-            </a:r>
-            <a:r>
-              <a:rPr lang="hu-HU" sz="1800" dirty="0" smtClean="0"/>
-              <a:t>EE</a:t>
+              <a:t>Java EE</a:t>
             </a:r>
             <a:br>
               <a:rPr lang="hu-HU" sz="1800" dirty="0" smtClean="0"/>
@@ -3784,11 +3772,7 @@
           <a:p>
             <a:r>
               <a:rPr lang="hu-HU" sz="1800" dirty="0" smtClean="0"/>
-              <a:t>Java </a:t>
-            </a:r>
-            <a:r>
-              <a:rPr lang="hu-HU" sz="1800" dirty="0" smtClean="0"/>
-              <a:t>EE</a:t>
+              <a:t>Java EE</a:t>
             </a:r>
             <a:br>
               <a:rPr lang="hu-HU" sz="1800" dirty="0" smtClean="0"/>
@@ -3911,10 +3895,13 @@
               <a:buChar char="•"/>
             </a:pPr>
             <a:r>
+              <a:rPr lang="hu-HU" dirty="0" smtClean="0"/>
+              <a:t>Nagy </a:t>
+            </a:r>
+            <a:r>
               <a:rPr lang="hu-HU" dirty="0"/>
-              <a:t> Nagy projektekre (pl. Linux kernel)</a:t>
-            </a:r>
-            <a:endParaRPr lang="hu-HU" dirty="0"/>
+              <a:t>projektekre (pl. Linux kernel)</a:t>
+            </a:r>
           </a:p>
         </p:txBody>
       </p:sp>
@@ -3979,11 +3966,7 @@
           <a:p>
             <a:r>
               <a:rPr lang="hu-HU" sz="1800" dirty="0" smtClean="0"/>
-              <a:t>Java </a:t>
-            </a:r>
-            <a:r>
-              <a:rPr lang="hu-HU" sz="1800" dirty="0" smtClean="0"/>
-              <a:t>EE</a:t>
+              <a:t>Java EE</a:t>
             </a:r>
             <a:br>
               <a:rPr lang="hu-HU" sz="1800" dirty="0" smtClean="0"/>
@@ -4108,7 +4091,6 @@
               <a:rPr lang="hu-HU" dirty="0"/>
               <a:t>Ha nem történt változás, csak link </a:t>
             </a:r>
-            <a:endParaRPr lang="hu-HU" dirty="0"/>
           </a:p>
         </p:txBody>
       </p:sp>
@@ -4173,11 +4155,7 @@
           <a:p>
             <a:r>
               <a:rPr lang="hu-HU" sz="1800" dirty="0" smtClean="0"/>
-              <a:t>Java </a:t>
-            </a:r>
-            <a:r>
-              <a:rPr lang="hu-HU" sz="1800" dirty="0" smtClean="0"/>
-              <a:t>EE</a:t>
+              <a:t>Java EE</a:t>
             </a:r>
             <a:br>
               <a:rPr lang="hu-HU" sz="1800" dirty="0" smtClean="0"/>
@@ -4325,11 +4303,7 @@
           <a:p>
             <a:r>
               <a:rPr lang="hu-HU" sz="1800" dirty="0" smtClean="0"/>
-              <a:t>Java </a:t>
-            </a:r>
-            <a:r>
-              <a:rPr lang="hu-HU" sz="1800" dirty="0" smtClean="0"/>
-              <a:t>EE</a:t>
+              <a:t>Java EE</a:t>
             </a:r>
             <a:br>
               <a:rPr lang="hu-HU" sz="1800" dirty="0" smtClean="0"/>
@@ -4477,11 +4451,7 @@
           <a:p>
             <a:r>
               <a:rPr lang="hu-HU" sz="1800" dirty="0" smtClean="0"/>
-              <a:t>Java </a:t>
-            </a:r>
-            <a:r>
-              <a:rPr lang="hu-HU" sz="1800" dirty="0" smtClean="0"/>
-              <a:t>EE</a:t>
+              <a:t>Java EE</a:t>
             </a:r>
             <a:br>
               <a:rPr lang="hu-HU" sz="1800" dirty="0" smtClean="0"/>
@@ -4658,11 +4628,7 @@
           <a:p>
             <a:r>
               <a:rPr lang="hu-HU" sz="1800" dirty="0" smtClean="0"/>
-              <a:t>Java </a:t>
-            </a:r>
-            <a:r>
-              <a:rPr lang="hu-HU" sz="1800" dirty="0" smtClean="0"/>
-              <a:t>EE</a:t>
+              <a:t>Java EE</a:t>
             </a:r>
             <a:br>
               <a:rPr lang="hu-HU" sz="1800" dirty="0" smtClean="0"/>
@@ -4881,11 +4847,7 @@
           <a:p>
             <a:r>
               <a:rPr lang="hu-HU" sz="1800" dirty="0" smtClean="0"/>
-              <a:t>Java </a:t>
-            </a:r>
-            <a:r>
-              <a:rPr lang="hu-HU" sz="1800" dirty="0" smtClean="0"/>
-              <a:t>EE</a:t>
+              <a:t>Java EE</a:t>
             </a:r>
             <a:br>
               <a:rPr lang="hu-HU" sz="1800" dirty="0" smtClean="0"/>
